--- a/2 - Approche agile/1 - Cours/5 - Docker/Introduction à Docker.pptx
+++ b/2 - Approche agile/1 - Cours/5 - Docker/Introduction à Docker.pptx
@@ -846,7 +846,7 @@
           <a:p>
             <a:fld id="{11C2BCEB-DCF1-4AC9-86F1-A32C52FA4664}" type="datetimeFigureOut">
               <a:rPr lang="fr-FR" smtClean="0"/>
-              <a:t>05/02/2025</a:t>
+              <a:t>07/02/2025</a:t>
             </a:fld>
             <a:endParaRPr lang="fr-FR"/>
           </a:p>
@@ -1097,7 +1097,7 @@
           <a:p>
             <a:fld id="{11C2BCEB-DCF1-4AC9-86F1-A32C52FA4664}" type="datetimeFigureOut">
               <a:rPr lang="fr-FR" smtClean="0"/>
-              <a:t>05/02/2025</a:t>
+              <a:t>07/02/2025</a:t>
             </a:fld>
             <a:endParaRPr lang="fr-FR"/>
           </a:p>
@@ -1411,7 +1411,7 @@
           <a:p>
             <a:fld id="{11C2BCEB-DCF1-4AC9-86F1-A32C52FA4664}" type="datetimeFigureOut">
               <a:rPr lang="fr-FR" smtClean="0"/>
-              <a:t>05/02/2025</a:t>
+              <a:t>07/02/2025</a:t>
             </a:fld>
             <a:endParaRPr lang="fr-FR"/>
           </a:p>
@@ -1752,7 +1752,7 @@
           <a:p>
             <a:fld id="{11C2BCEB-DCF1-4AC9-86F1-A32C52FA4664}" type="datetimeFigureOut">
               <a:rPr lang="fr-FR" smtClean="0"/>
-              <a:t>05/02/2025</a:t>
+              <a:t>07/02/2025</a:t>
             </a:fld>
             <a:endParaRPr lang="fr-FR"/>
           </a:p>
@@ -2066,7 +2066,7 @@
           <a:p>
             <a:fld id="{11C2BCEB-DCF1-4AC9-86F1-A32C52FA4664}" type="datetimeFigureOut">
               <a:rPr lang="fr-FR" smtClean="0"/>
-              <a:t>05/02/2025</a:t>
+              <a:t>07/02/2025</a:t>
             </a:fld>
             <a:endParaRPr lang="fr-FR"/>
           </a:p>
@@ -2459,7 +2459,7 @@
           <a:p>
             <a:fld id="{11C2BCEB-DCF1-4AC9-86F1-A32C52FA4664}" type="datetimeFigureOut">
               <a:rPr lang="fr-FR" smtClean="0"/>
-              <a:t>05/02/2025</a:t>
+              <a:t>07/02/2025</a:t>
             </a:fld>
             <a:endParaRPr lang="fr-FR"/>
           </a:p>
@@ -2629,7 +2629,7 @@
           <a:p>
             <a:fld id="{11C2BCEB-DCF1-4AC9-86F1-A32C52FA4664}" type="datetimeFigureOut">
               <a:rPr lang="fr-FR" smtClean="0"/>
-              <a:t>05/02/2025</a:t>
+              <a:t>07/02/2025</a:t>
             </a:fld>
             <a:endParaRPr lang="fr-FR"/>
           </a:p>
@@ -2809,7 +2809,7 @@
           <a:p>
             <a:fld id="{11C2BCEB-DCF1-4AC9-86F1-A32C52FA4664}" type="datetimeFigureOut">
               <a:rPr lang="fr-FR" smtClean="0"/>
-              <a:t>05/02/2025</a:t>
+              <a:t>07/02/2025</a:t>
             </a:fld>
             <a:endParaRPr lang="fr-FR"/>
           </a:p>
@@ -2995,7 +2995,7 @@
           <a:p>
             <a:fld id="{11C2BCEB-DCF1-4AC9-86F1-A32C52FA4664}" type="datetimeFigureOut">
               <a:rPr lang="fr-FR" smtClean="0"/>
-              <a:t>05/02/2025</a:t>
+              <a:t>07/02/2025</a:t>
             </a:fld>
             <a:endParaRPr lang="fr-FR"/>
           </a:p>
@@ -3183,7 +3183,7 @@
           <a:p>
             <a:fld id="{11C2BCEB-DCF1-4AC9-86F1-A32C52FA4664}" type="datetimeFigureOut">
               <a:rPr lang="fr-FR" smtClean="0"/>
-              <a:t>05/02/2025</a:t>
+              <a:t>07/02/2025</a:t>
             </a:fld>
             <a:endParaRPr lang="fr-FR"/>
           </a:p>
@@ -3430,7 +3430,7 @@
           <a:p>
             <a:fld id="{11C2BCEB-DCF1-4AC9-86F1-A32C52FA4664}" type="datetimeFigureOut">
               <a:rPr lang="fr-FR" smtClean="0"/>
-              <a:t>05/02/2025</a:t>
+              <a:t>07/02/2025</a:t>
             </a:fld>
             <a:endParaRPr lang="fr-FR"/>
           </a:p>
@@ -3662,7 +3662,7 @@
           <a:p>
             <a:fld id="{11C2BCEB-DCF1-4AC9-86F1-A32C52FA4664}" type="datetimeFigureOut">
               <a:rPr lang="fr-FR" smtClean="0"/>
-              <a:t>05/02/2025</a:t>
+              <a:t>07/02/2025</a:t>
             </a:fld>
             <a:endParaRPr lang="fr-FR"/>
           </a:p>
@@ -4036,7 +4036,7 @@
           <a:p>
             <a:fld id="{11C2BCEB-DCF1-4AC9-86F1-A32C52FA4664}" type="datetimeFigureOut">
               <a:rPr lang="fr-FR" smtClean="0"/>
-              <a:t>05/02/2025</a:t>
+              <a:t>07/02/2025</a:t>
             </a:fld>
             <a:endParaRPr lang="fr-FR"/>
           </a:p>
@@ -4159,7 +4159,7 @@
           <a:p>
             <a:fld id="{11C2BCEB-DCF1-4AC9-86F1-A32C52FA4664}" type="datetimeFigureOut">
               <a:rPr lang="fr-FR" smtClean="0"/>
-              <a:t>05/02/2025</a:t>
+              <a:t>07/02/2025</a:t>
             </a:fld>
             <a:endParaRPr lang="fr-FR"/>
           </a:p>
@@ -4254,7 +4254,7 @@
           <a:p>
             <a:fld id="{11C2BCEB-DCF1-4AC9-86F1-A32C52FA4664}" type="datetimeFigureOut">
               <a:rPr lang="fr-FR" smtClean="0"/>
-              <a:t>05/02/2025</a:t>
+              <a:t>07/02/2025</a:t>
             </a:fld>
             <a:endParaRPr lang="fr-FR"/>
           </a:p>
@@ -4509,7 +4509,7 @@
           <a:p>
             <a:fld id="{11C2BCEB-DCF1-4AC9-86F1-A32C52FA4664}" type="datetimeFigureOut">
               <a:rPr lang="fr-FR" smtClean="0"/>
-              <a:t>05/02/2025</a:t>
+              <a:t>07/02/2025</a:t>
             </a:fld>
             <a:endParaRPr lang="fr-FR"/>
           </a:p>
@@ -4772,7 +4772,7 @@
           <a:p>
             <a:fld id="{11C2BCEB-DCF1-4AC9-86F1-A32C52FA4664}" type="datetimeFigureOut">
               <a:rPr lang="fr-FR" smtClean="0"/>
-              <a:t>05/02/2025</a:t>
+              <a:t>07/02/2025</a:t>
             </a:fld>
             <a:endParaRPr lang="fr-FR"/>
           </a:p>
@@ -5515,7 +5515,7 @@
           <a:p>
             <a:fld id="{11C2BCEB-DCF1-4AC9-86F1-A32C52FA4664}" type="datetimeFigureOut">
               <a:rPr lang="fr-FR" smtClean="0"/>
-              <a:t>05/02/2025</a:t>
+              <a:t>07/02/2025</a:t>
             </a:fld>
             <a:endParaRPr lang="fr-FR"/>
           </a:p>
@@ -16896,14 +16896,37 @@
           <a:p>
             <a:r>
               <a:rPr lang="en-US" sz="2400" dirty="0"/>
-              <a:t>5. Docker Hub </a:t>
+              <a:t>5. Docker Hub</a:t>
             </a:r>
           </a:p>
           <a:p>
             <a:r>
               <a:rPr lang="en-US" sz="2400" dirty="0"/>
-              <a:t>6. Docker Compose</a:t>
+              <a:t>6. </a:t>
             </a:r>
+            <a:r>
+              <a:rPr lang="en-US" sz="2400" dirty="0" err="1"/>
+              <a:t>Dockerfile</a:t>
+            </a:r>
+            <a:r>
+              <a:rPr lang="en-US" sz="2400" dirty="0"/>
+              <a:t> </a:t>
+            </a:r>
+          </a:p>
+          <a:p>
+            <a:r>
+              <a:rPr lang="en-US" sz="2400" dirty="0"/>
+              <a:t>7. Docker Compose</a:t>
+            </a:r>
+          </a:p>
+          <a:p>
+            <a:pPr marL="0" indent="0">
+              <a:buNone/>
+            </a:pPr>
+            <a:endParaRPr lang="en-US" sz="2400" dirty="0"/>
+          </a:p>
+          <a:p>
+            <a:endParaRPr lang="en-US" sz="2400" dirty="0"/>
           </a:p>
         </p:txBody>
       </p:sp>
